--- a/Presentation/Man Vs Machine.pptx
+++ b/Presentation/Man Vs Machine.pptx
@@ -305,7 +305,7 @@
           <a:p>
             <a:fld id="{CDD763BD-08A7-4023-BBDB-C840C88E69CC}" type="datetimeFigureOut">
               <a:rPr lang="en-IN" smtClean="0"/>
-              <a:t>07-12-2022</a:t>
+              <a:t>07/12/22</a:t>
             </a:fld>
             <a:endParaRPr lang="en-IN"/>
           </a:p>
@@ -505,7 +505,7 @@
           <a:p>
             <a:fld id="{CDD763BD-08A7-4023-BBDB-C840C88E69CC}" type="datetimeFigureOut">
               <a:rPr lang="en-IN" smtClean="0"/>
-              <a:t>07-12-2022</a:t>
+              <a:t>07/12/22</a:t>
             </a:fld>
             <a:endParaRPr lang="en-IN"/>
           </a:p>
@@ -715,7 +715,7 @@
           <a:p>
             <a:fld id="{CDD763BD-08A7-4023-BBDB-C840C88E69CC}" type="datetimeFigureOut">
               <a:rPr lang="en-IN" smtClean="0"/>
-              <a:t>07-12-2022</a:t>
+              <a:t>07/12/22</a:t>
             </a:fld>
             <a:endParaRPr lang="en-IN"/>
           </a:p>
@@ -915,7 +915,7 @@
           <a:p>
             <a:fld id="{CDD763BD-08A7-4023-BBDB-C840C88E69CC}" type="datetimeFigureOut">
               <a:rPr lang="en-IN" smtClean="0"/>
-              <a:t>07-12-2022</a:t>
+              <a:t>07/12/22</a:t>
             </a:fld>
             <a:endParaRPr lang="en-IN"/>
           </a:p>
@@ -1191,7 +1191,7 @@
           <a:p>
             <a:fld id="{CDD763BD-08A7-4023-BBDB-C840C88E69CC}" type="datetimeFigureOut">
               <a:rPr lang="en-IN" smtClean="0"/>
-              <a:t>07-12-2022</a:t>
+              <a:t>07/12/22</a:t>
             </a:fld>
             <a:endParaRPr lang="en-IN"/>
           </a:p>
@@ -1459,7 +1459,7 @@
           <a:p>
             <a:fld id="{CDD763BD-08A7-4023-BBDB-C840C88E69CC}" type="datetimeFigureOut">
               <a:rPr lang="en-IN" smtClean="0"/>
-              <a:t>07-12-2022</a:t>
+              <a:t>07/12/22</a:t>
             </a:fld>
             <a:endParaRPr lang="en-IN"/>
           </a:p>
@@ -1874,7 +1874,7 @@
           <a:p>
             <a:fld id="{CDD763BD-08A7-4023-BBDB-C840C88E69CC}" type="datetimeFigureOut">
               <a:rPr lang="en-IN" smtClean="0"/>
-              <a:t>07-12-2022</a:t>
+              <a:t>07/12/22</a:t>
             </a:fld>
             <a:endParaRPr lang="en-IN"/>
           </a:p>
@@ -2016,7 +2016,7 @@
           <a:p>
             <a:fld id="{CDD763BD-08A7-4023-BBDB-C840C88E69CC}" type="datetimeFigureOut">
               <a:rPr lang="en-IN" smtClean="0"/>
-              <a:t>07-12-2022</a:t>
+              <a:t>07/12/22</a:t>
             </a:fld>
             <a:endParaRPr lang="en-IN"/>
           </a:p>
@@ -2129,7 +2129,7 @@
           <a:p>
             <a:fld id="{CDD763BD-08A7-4023-BBDB-C840C88E69CC}" type="datetimeFigureOut">
               <a:rPr lang="en-IN" smtClean="0"/>
-              <a:t>07-12-2022</a:t>
+              <a:t>07/12/22</a:t>
             </a:fld>
             <a:endParaRPr lang="en-IN"/>
           </a:p>
@@ -2442,7 +2442,7 @@
           <a:p>
             <a:fld id="{CDD763BD-08A7-4023-BBDB-C840C88E69CC}" type="datetimeFigureOut">
               <a:rPr lang="en-IN" smtClean="0"/>
-              <a:t>07-12-2022</a:t>
+              <a:t>07/12/22</a:t>
             </a:fld>
             <a:endParaRPr lang="en-IN"/>
           </a:p>
@@ -2731,7 +2731,7 @@
           <a:p>
             <a:fld id="{CDD763BD-08A7-4023-BBDB-C840C88E69CC}" type="datetimeFigureOut">
               <a:rPr lang="en-IN" smtClean="0"/>
-              <a:t>07-12-2022</a:t>
+              <a:t>07/12/22</a:t>
             </a:fld>
             <a:endParaRPr lang="en-IN"/>
           </a:p>
@@ -2974,7 +2974,7 @@
           <a:p>
             <a:fld id="{CDD763BD-08A7-4023-BBDB-C840C88E69CC}" type="datetimeFigureOut">
               <a:rPr lang="en-IN" smtClean="0"/>
-              <a:t>07-12-2022</a:t>
+              <a:t>07/12/22</a:t>
             </a:fld>
             <a:endParaRPr lang="en-IN"/>
           </a:p>
@@ -4139,7 +4139,34 @@
                 <a:ea typeface="Calibri" panose="020F0502020204030204" pitchFamily="34" charset="0"/>
                 <a:cs typeface="Times New Roman" panose="02020603050405020304" pitchFamily="18" charset="0"/>
               </a:rPr>
-              <a:t>Crypto – BTC and Tether</a:t>
+              <a:t>Crypto – BTC </a:t>
+            </a:r>
+            <a:r>
+              <a:rPr lang="en-US">
+                <a:solidFill>
+                  <a:schemeClr val="accent5">
+                    <a:lumMod val="75000"/>
+                  </a:schemeClr>
+                </a:solidFill>
+                <a:effectLst/>
+                <a:latin typeface="Calibri" panose="020F0502020204030204" pitchFamily="34" charset="0"/>
+                <a:ea typeface="Calibri" panose="020F0502020204030204" pitchFamily="34" charset="0"/>
+                <a:cs typeface="Times New Roman" panose="02020603050405020304" pitchFamily="18" charset="0"/>
+              </a:rPr>
+              <a:t>and </a:t>
+            </a:r>
+            <a:r>
+              <a:rPr lang="en-US">
+                <a:solidFill>
+                  <a:schemeClr val="accent5">
+                    <a:lumMod val="75000"/>
+                  </a:schemeClr>
+                </a:solidFill>
+                <a:latin typeface="Calibri" panose="020F0502020204030204" pitchFamily="34" charset="0"/>
+                <a:ea typeface="Calibri" panose="020F0502020204030204" pitchFamily="34" charset="0"/>
+                <a:cs typeface="Times New Roman" panose="02020603050405020304" pitchFamily="18" charset="0"/>
+              </a:rPr>
+              <a:t>Ethereum</a:t>
             </a:r>
             <a:endParaRPr lang="en-GB" dirty="0">
               <a:solidFill>
